--- a/CS4920 Lab 3.pptx
+++ b/CS4920 Lab 3.pptx
@@ -355,7 +355,7 @@
           <a:p>
             <a:fld id="{ED291B17-9318-49DB-B28B-6E5994AE9581}" type="datetime1">
               <a:rPr lang="en-US" smtClean="0"/>
-              <a:t>12/7/2019</a:t>
+              <a:t>12/8/19</a:t>
             </a:fld>
             <a:endParaRPr lang="en-US" dirty="0"/>
           </a:p>
@@ -558,7 +558,7 @@
           <a:p>
             <a:fld id="{2CED4963-E985-44C4-B8C4-FDD613B7C2F8}" type="datetime1">
               <a:rPr lang="en-US" smtClean="0"/>
-              <a:t>12/7/2019</a:t>
+              <a:t>12/8/19</a:t>
             </a:fld>
             <a:endParaRPr lang="en-US" dirty="0"/>
           </a:p>
@@ -920,7 +920,7 @@
           <a:p>
             <a:fld id="{ED291B17-9318-49DB-B28B-6E5994AE9581}" type="datetime1">
               <a:rPr lang="en-US" smtClean="0"/>
-              <a:t>12/7/2019</a:t>
+              <a:t>12/8/19</a:t>
             </a:fld>
             <a:endParaRPr lang="en-US" dirty="0"/>
           </a:p>
@@ -1118,7 +1118,7 @@
           <a:p>
             <a:fld id="{78DD82B9-B8EE-4375-B6FF-88FA6ABB15D9}" type="datetime1">
               <a:rPr lang="en-US" smtClean="0"/>
-              <a:t>12/7/2019</a:t>
+              <a:t>12/8/19</a:t>
             </a:fld>
             <a:endParaRPr lang="en-US" dirty="0"/>
           </a:p>
@@ -1430,7 +1430,7 @@
           <a:p>
             <a:fld id="{B2497495-0637-405E-AE64-5CC7506D51F5}" type="datetime1">
               <a:rPr lang="en-US" smtClean="0"/>
-              <a:t>12/7/2019</a:t>
+              <a:t>12/8/19</a:t>
             </a:fld>
             <a:endParaRPr lang="en-US" dirty="0"/>
           </a:p>
@@ -1683,7 +1683,7 @@
           <a:p>
             <a:fld id="{7BFFD690-9426-415D-8B65-26881E07B2D4}" type="datetime1">
               <a:rPr lang="en-US" smtClean="0"/>
-              <a:t>12/7/2019</a:t>
+              <a:t>12/8/19</a:t>
             </a:fld>
             <a:endParaRPr lang="en-US" dirty="0"/>
           </a:p>
@@ -2105,7 +2105,7 @@
           <a:p>
             <a:fld id="{04C4989A-474C-40DE-95B9-011C28B71673}" type="datetime1">
               <a:rPr lang="en-US" smtClean="0"/>
-              <a:t>12/7/2019</a:t>
+              <a:t>12/8/19</a:t>
             </a:fld>
             <a:endParaRPr lang="en-US" dirty="0"/>
           </a:p>
@@ -2228,7 +2228,7 @@
           <a:p>
             <a:fld id="{5DB4ED54-5B5E-4A04-93D3-5772E3CE3818}" type="datetime1">
               <a:rPr lang="en-US" smtClean="0"/>
-              <a:t>12/7/2019</a:t>
+              <a:t>12/8/19</a:t>
             </a:fld>
             <a:endParaRPr lang="en-US" dirty="0"/>
           </a:p>
@@ -2323,7 +2323,7 @@
           <a:p>
             <a:fld id="{4EDE50D6-574B-40AF-946F-D52A04ADE379}" type="datetime1">
               <a:rPr lang="en-US" smtClean="0"/>
-              <a:t>12/7/2019</a:t>
+              <a:t>12/8/19</a:t>
             </a:fld>
             <a:endParaRPr lang="en-US" dirty="0"/>
           </a:p>
@@ -2700,7 +2700,7 @@
           <a:p>
             <a:fld id="{D82884F1-FFEA-405F-9602-3DCA865EDA4E}" type="datetime1">
               <a:rPr lang="en-US" smtClean="0"/>
-              <a:t>12/7/2019</a:t>
+              <a:t>12/8/19</a:t>
             </a:fld>
             <a:endParaRPr lang="en-US" dirty="0"/>
           </a:p>
@@ -2993,7 +2993,7 @@
           <a:p>
             <a:fld id="{7E18DB4A-8810-4A10-AD5C-D5E2C667F5B3}" type="datetime1">
               <a:rPr lang="en-US" smtClean="0"/>
-              <a:t>12/7/2019</a:t>
+              <a:t>12/8/19</a:t>
             </a:fld>
             <a:endParaRPr lang="en-US" dirty="0"/>
           </a:p>
@@ -3208,7 +3208,7 @@
           <a:p>
             <a:fld id="{ED291B17-9318-49DB-B28B-6E5994AE9581}" type="datetime1">
               <a:rPr lang="en-US" smtClean="0"/>
-              <a:t>12/7/2019</a:t>
+              <a:t>12/8/19</a:t>
             </a:fld>
             <a:endParaRPr lang="en-US" dirty="0"/>
           </a:p>
@@ -3937,8 +3937,8 @@
           <a:lstStyle/>
           <a:p>
             <a:r>
-              <a:rPr lang="en-US" dirty="0"/>
-              <a:t>CS4920 Lab 3</a:t>
+              <a:rPr lang="en-US" sz="2800" dirty="0"/>
+              <a:t>CS4920 Lab 3 – Autonomous System (AS) Classification</a:t>
             </a:r>
           </a:p>
         </p:txBody>
@@ -4353,7 +4353,7 @@
           <a:p>
             <a:r>
               <a:rPr lang="en-US" dirty="0"/>
-              <a:t>Applicability to networking</a:t>
+              <a:t>AS classification Applicability to networking</a:t>
             </a:r>
           </a:p>
         </p:txBody>
@@ -4379,7 +4379,74 @@
           <a:bodyPr/>
           <a:lstStyle/>
           <a:p>
-            <a:endParaRPr lang="en-US"/>
+            <a:r>
+              <a:rPr lang="en-US" dirty="0"/>
+              <a:t>Helpful for intra-AS (router-level) topology modeling</a:t>
+            </a:r>
+          </a:p>
+          <a:p>
+            <a:pPr lvl="1"/>
+            <a:r>
+              <a:rPr lang="en-US" dirty="0"/>
+              <a:t>E.g. small company AS versus university AS</a:t>
+            </a:r>
+          </a:p>
+          <a:p>
+            <a:r>
+              <a:rPr lang="en-US" dirty="0"/>
+              <a:t>Documenting and understanding growth of the internet </a:t>
+            </a:r>
+          </a:p>
+          <a:p>
+            <a:pPr lvl="1"/>
+            <a:r>
+              <a:rPr lang="en-US" dirty="0"/>
+              <a:t>Different AS types grow with different patterns (E.g. </a:t>
+            </a:r>
+            <a:r>
+              <a:rPr lang="en-US" dirty="0" err="1"/>
+              <a:t>ASes</a:t>
+            </a:r>
+            <a:r>
+              <a:rPr lang="en-US" dirty="0"/>
+              <a:t> associated with a university typically aren’t expected to grow)</a:t>
+            </a:r>
+          </a:p>
+          <a:p>
+            <a:r>
+              <a:rPr lang="en-US" dirty="0"/>
+              <a:t>Mapping IP addresses to different types of users</a:t>
+            </a:r>
+          </a:p>
+          <a:p>
+            <a:pPr lvl="1"/>
+            <a:r>
+              <a:rPr lang="en-US" dirty="0"/>
+              <a:t>E.g. Can expect student-like activity from traffic originating from university AS</a:t>
+            </a:r>
+          </a:p>
+          <a:p>
+            <a:pPr marL="0" indent="0">
+              <a:buNone/>
+            </a:pPr>
+            <a:endParaRPr lang="en-US" dirty="0"/>
+          </a:p>
+          <a:p>
+            <a:pPr marL="0" indent="0">
+              <a:buNone/>
+            </a:pPr>
+            <a:r>
+              <a:rPr lang="en-US" dirty="0"/>
+              <a:t>Ref: “Revealing the Autonomous System Taxonomy:  The Machine Learning Approach”, </a:t>
+            </a:r>
+            <a:r>
+              <a:rPr lang="en-US" dirty="0" err="1"/>
+              <a:t>Dimitropoulos</a:t>
+            </a:r>
+            <a:r>
+              <a:rPr lang="en-US" dirty="0"/>
+              <a:t> et al.</a:t>
+            </a:r>
           </a:p>
         </p:txBody>
       </p:sp>
@@ -4459,10 +4526,59 @@
         </p:nvSpPr>
         <p:spPr/>
         <p:txBody>
-          <a:bodyPr/>
-          <a:lstStyle/>
-          <a:p>
-            <a:endParaRPr lang="en-US"/>
+          <a:bodyPr>
+            <a:normAutofit/>
+          </a:bodyPr>
+          <a:lstStyle/>
+          <a:p>
+            <a:r>
+              <a:rPr lang="en-US" dirty="0"/>
+              <a:t>Learn more about </a:t>
+            </a:r>
+            <a:r>
+              <a:rPr lang="en-US" dirty="0" err="1"/>
+              <a:t>ASes</a:t>
+            </a:r>
+            <a:r>
+              <a:rPr lang="en-US" dirty="0"/>
+              <a:t> and practicality of AS classification</a:t>
+            </a:r>
+          </a:p>
+          <a:p>
+            <a:r>
+              <a:rPr lang="en-US" dirty="0"/>
+              <a:t>Understand how networking problems are cast as machine learning tasks</a:t>
+            </a:r>
+          </a:p>
+          <a:p>
+            <a:r>
+              <a:rPr lang="en-US" dirty="0"/>
+              <a:t>Learn more about feature selection</a:t>
+            </a:r>
+          </a:p>
+          <a:p>
+            <a:r>
+              <a:rPr lang="en-US" dirty="0"/>
+              <a:t>Understand the data types that can be used by machine learning algorithms</a:t>
+            </a:r>
+          </a:p>
+          <a:p>
+            <a:r>
+              <a:rPr lang="en-US" dirty="0"/>
+              <a:t>Learn how to engineer features from raw data </a:t>
+            </a:r>
+          </a:p>
+          <a:p>
+            <a:r>
+              <a:rPr lang="en-US" dirty="0"/>
+              <a:t>Pair machine learning algorithms to specific problems and associated data</a:t>
+            </a:r>
+          </a:p>
+          <a:p>
+            <a:r>
+              <a:rPr lang="en-US" dirty="0"/>
+              <a:t>Given a dataset, understand why some machine learning algorithms perform better than others</a:t>
+            </a:r>
           </a:p>
         </p:txBody>
       </p:sp>
@@ -4545,7 +4661,40 @@
           <a:bodyPr/>
           <a:lstStyle/>
           <a:p>
-            <a:endParaRPr lang="en-US"/>
+            <a:r>
+              <a:rPr lang="en-US" dirty="0"/>
+              <a:t>Students will have to use knowledge of </a:t>
+            </a:r>
+            <a:r>
+              <a:rPr lang="en-US" dirty="0" err="1"/>
+              <a:t>ASes</a:t>
+            </a:r>
+            <a:r>
+              <a:rPr lang="en-US" dirty="0"/>
+              <a:t> to determine useful features amongst those available</a:t>
+            </a:r>
+          </a:p>
+          <a:p>
+            <a:pPr lvl="1"/>
+            <a:r>
+              <a:rPr lang="en-US" dirty="0"/>
+              <a:t>Many unnecessary dataset features will be discarded</a:t>
+            </a:r>
+          </a:p>
+          <a:p>
+            <a:r>
+              <a:rPr lang="en-US" dirty="0"/>
+              <a:t>Because many AS features are not standardized, data manipulation and encoding will be necessary</a:t>
+            </a:r>
+          </a:p>
+          <a:p>
+            <a:endParaRPr lang="en-US" dirty="0"/>
+          </a:p>
+          <a:p>
+            <a:endParaRPr lang="en-US" dirty="0"/>
+          </a:p>
+          <a:p>
+            <a:endParaRPr lang="en-US" dirty="0"/>
           </a:p>
         </p:txBody>
       </p:sp>
@@ -4673,6 +4822,12 @@
               <a:t>Labels are available</a:t>
             </a:r>
           </a:p>
+          <a:p>
+            <a:r>
+              <a:rPr lang="en-US" dirty="0"/>
+              <a:t>Expose students to the breadth of machine learning applicability (an uncommon problem solved via machine learning)</a:t>
+            </a:r>
+          </a:p>
         </p:txBody>
       </p:sp>
       <p:sp>
@@ -4719,9 +4874,16 @@
             <p:ph sz="quarter" idx="4"/>
           </p:nvPr>
         </p:nvSpPr>
-        <p:spPr/>
-        <p:txBody>
-          <a:bodyPr/>
+        <p:spPr>
+          <a:xfrm>
+            <a:off x="6416037" y="2926051"/>
+            <a:ext cx="5194771" cy="3513937"/>
+          </a:xfrm>
+        </p:spPr>
+        <p:txBody>
+          <a:bodyPr>
+            <a:normAutofit fontScale="92500"/>
+          </a:bodyPr>
           <a:lstStyle/>
           <a:p>
             <a:r>
@@ -4732,7 +4894,7 @@
           <a:p>
             <a:r>
               <a:rPr lang="en-US" dirty="0"/>
-              <a:t>3 years old 2016</a:t>
+              <a:t>3 years old (most recent snapshot from 2016)</a:t>
             </a:r>
           </a:p>
           <a:p>
@@ -4754,6 +4916,41 @@
               <a:rPr lang="en-US" dirty="0"/>
               <a:t>Data manipulation</a:t>
             </a:r>
+          </a:p>
+          <a:p>
+            <a:r>
+              <a:rPr lang="en-US" dirty="0"/>
+              <a:t>Features were often not standardized amongst </a:t>
+            </a:r>
+            <a:r>
+              <a:rPr lang="en-US" dirty="0" err="1"/>
+              <a:t>ASes</a:t>
+            </a:r>
+            <a:endParaRPr lang="en-US" dirty="0"/>
+          </a:p>
+          <a:p>
+            <a:r>
+              <a:rPr lang="en-US" dirty="0"/>
+              <a:t>Missing fields</a:t>
+            </a:r>
+          </a:p>
+          <a:p>
+            <a:r>
+              <a:rPr lang="en-US" dirty="0"/>
+              <a:t>Feature meanings were not always intuitive</a:t>
+            </a:r>
+          </a:p>
+          <a:p>
+            <a:r>
+              <a:rPr lang="en-US" u="sng" dirty="0"/>
+              <a:t>Excessive data wrangling will be required from students</a:t>
+            </a:r>
+          </a:p>
+          <a:p>
+            <a:endParaRPr lang="en-US" dirty="0"/>
+          </a:p>
+          <a:p>
+            <a:endParaRPr lang="en-US" dirty="0"/>
           </a:p>
           <a:p>
             <a:endParaRPr lang="en-US" dirty="0"/>
